--- a/docs/presentation.pptx
+++ b/docs/presentation.pptx
@@ -5831,7 +5831,7 @@
         <p:spPr>
           <a:xfrm>
             <a:off x="323528" y="1131590"/>
-            <a:ext cx="8496944" cy="2523768"/>
+            <a:ext cx="8496944" cy="3354765"/>
           </a:xfrm>
           <a:prstGeom prst="rect">
             <a:avLst/>
@@ -5850,11 +5850,11 @@
             </a:pPr>
             <a:r>
               <a:rPr lang="en-US" b="1" dirty="0" err="1"/>
-              <a:t>Créer</a:t>
+              <a:t>Github</a:t>
             </a:r>
             <a:r>
               <a:rPr lang="en-US" b="1" dirty="0"/>
-              <a:t> ma première page</a:t>
+              <a:t> du prof</a:t>
             </a:r>
           </a:p>
           <a:p>
@@ -5863,8 +5863,42 @@
               <a:buChar char="•"/>
             </a:pPr>
             <a:r>
+              <a:rPr lang="en-US" dirty="0">
+                <a:hlinkClick r:id="rId3"/>
+              </a:rPr>
+              <a:t>https://github.com/AizeLeOuf/mycv</a:t>
+            </a:r>
+            <a:endParaRPr lang="en-US" dirty="0"/>
+          </a:p>
+          <a:p>
+            <a:pPr marL="285750" indent="-285750">
+              <a:buFont typeface="Arial" panose="020B0604020202020204" pitchFamily="34" charset="0"/>
+              <a:buChar char="•"/>
+            </a:pPr>
+            <a:endParaRPr lang="en-US" b="1" dirty="0"/>
+          </a:p>
+          <a:p>
+            <a:pPr marL="285750" indent="-285750">
+              <a:buFont typeface="Arial" panose="020B0604020202020204" pitchFamily="34" charset="0"/>
+              <a:buChar char="•"/>
+            </a:pPr>
+            <a:r>
+              <a:rPr lang="en-US" b="1" dirty="0" err="1"/>
+              <a:t>Créer</a:t>
+            </a:r>
+            <a:r>
+              <a:rPr lang="en-US" b="1" dirty="0"/>
+              <a:t> ma première page</a:t>
+            </a:r>
+          </a:p>
+          <a:p>
+            <a:pPr marL="742950" lvl="1" indent="-285750">
+              <a:buFont typeface="Arial" panose="020B0604020202020204" pitchFamily="34" charset="0"/>
+              <a:buChar char="•"/>
+            </a:pPr>
+            <a:r>
               <a:rPr lang="en-US" sz="1400" dirty="0">
-                <a:hlinkClick r:id="rId3"/>
+                <a:hlinkClick r:id="rId4"/>
               </a:rPr>
               <a:t>https://symfony.com/doc/current/page_creation.html</a:t>
             </a:r>
@@ -5909,7 +5943,7 @@
             </a:pPr>
             <a:r>
               <a:rPr lang="en-US" dirty="0">
-                <a:hlinkClick r:id="rId4"/>
+                <a:hlinkClick r:id="rId5"/>
               </a:rPr>
               <a:t>https://speckyboy.com/free-html-resume-templates/</a:t>
             </a:r>
